--- a/doc/Netty分析3.pptx
+++ b/doc/Netty分析3.pptx
@@ -5,7 +5,7 @@
     <p:sldMasterId id="2147483672" r:id="rId1"/>
   </p:sldMasterIdLst>
   <p:notesMasterIdLst>
-    <p:notesMasterId r:id="rId16"/>
+    <p:notesMasterId r:id="rId17"/>
   </p:notesMasterIdLst>
   <p:sldIdLst>
     <p:sldId id="256" r:id="rId2"/>
@@ -22,6 +22,7 @@
     <p:sldId id="270" r:id="rId13"/>
     <p:sldId id="273" r:id="rId14"/>
     <p:sldId id="272" r:id="rId15"/>
+    <p:sldId id="275" r:id="rId16"/>
   </p:sldIdLst>
   <p:sldSz cx="9144000" cy="6858000" type="screen4x3"/>
   <p:notesSz cx="6858000" cy="9144000"/>
@@ -4562,7 +4563,7 @@
         </p:nvSpPr>
         <p:spPr>
           <a:xfrm>
-            <a:off x="1043608" y="908720"/>
+            <a:off x="1043608" y="548680"/>
             <a:ext cx="7200800" cy="646331"/>
           </a:xfrm>
           <a:prstGeom prst="rect">
@@ -4626,7 +4627,7 @@
         </p:blipFill>
         <p:spPr bwMode="auto">
           <a:xfrm>
-            <a:off x="1403648" y="1340768"/>
+            <a:off x="1403648" y="980728"/>
             <a:ext cx="2219325" cy="628650"/>
           </a:xfrm>
           <a:prstGeom prst="rect">
@@ -4675,7 +4676,7 @@
         </p:nvSpPr>
         <p:spPr>
           <a:xfrm>
-            <a:off x="1043608" y="2062589"/>
+            <a:off x="1043608" y="2420888"/>
             <a:ext cx="7200800" cy="1477328"/>
           </a:xfrm>
           <a:prstGeom prst="rect">
@@ -4718,11 +4719,7 @@
           <a:p>
             <a:r>
               <a:rPr lang="en-US" altLang="zh-CN" dirty="0"/>
-              <a:t> </a:t>
-            </a:r>
-            <a:r>
-              <a:rPr lang="en-US" altLang="zh-CN" dirty="0"/>
-              <a:t>     # </a:t>
+              <a:t>      # </a:t>
             </a:r>
             <a:r>
               <a:rPr lang="en-US" altLang="zh-CN" dirty="0" err="1"/>
@@ -4730,7 +4727,11 @@
             </a:r>
             <a:r>
               <a:rPr lang="en-US" altLang="zh-CN" dirty="0"/>
-              <a:t> -n 98000 -c 1000 </a:t>
+              <a:t> -n 98000 -c </a:t>
+            </a:r>
+            <a:r>
+              <a:rPr lang="en-US" altLang="zh-CN" dirty="0" smtClean="0"/>
+              <a:t>800 </a:t>
             </a:r>
             <a:r>
               <a:rPr lang="en-US" altLang="zh-CN" dirty="0">
@@ -4795,7 +4796,7 @@
         </p:blipFill>
         <p:spPr bwMode="auto">
           <a:xfrm>
-            <a:off x="1475656" y="3520842"/>
+            <a:off x="1475656" y="3879141"/>
             <a:ext cx="5810250" cy="2800350"/>
           </a:xfrm>
           <a:prstGeom prst="rect">
@@ -4836,6 +4837,52 @@
           </a:extLst>
         </p:spPr>
       </p:pic>
+      <p:sp>
+        <p:nvSpPr>
+          <p:cNvPr id="7" name="TextBox 6"/>
+          <p:cNvSpPr txBox="1"/>
+          <p:nvPr/>
+        </p:nvSpPr>
+        <p:spPr>
+          <a:xfrm>
+            <a:off x="1043608" y="1846565"/>
+            <a:ext cx="7200800" cy="369332"/>
+          </a:xfrm>
+          <a:prstGeom prst="rect">
+            <a:avLst/>
+          </a:prstGeom>
+          <a:noFill/>
+        </p:spPr>
+        <p:txBody>
+          <a:bodyPr wrap="square" rtlCol="0">
+            <a:spAutoFit/>
+          </a:bodyPr>
+          <a:lstStyle/>
+          <a:p>
+            <a:pPr marL="285750" indent="-285750">
+              <a:buFont typeface="Wingdings" pitchFamily="2" charset="2"/>
+              <a:buChar char="Ø"/>
+            </a:pPr>
+            <a:r>
+              <a:rPr lang="en-US" altLang="zh-CN" dirty="0" smtClean="0"/>
+              <a:t>Worker</a:t>
+            </a:r>
+            <a:r>
+              <a:rPr lang="zh-CN" altLang="en-US" dirty="0" smtClean="0"/>
+              <a:t>线程</a:t>
+            </a:r>
+            <a:r>
+              <a:rPr lang="en-US" altLang="zh-CN" dirty="0" smtClean="0"/>
+              <a:t>: 8</a:t>
+            </a:r>
+            <a:r>
+              <a:rPr lang="zh-CN" altLang="en-US" dirty="0" smtClean="0"/>
+              <a:t>个</a:t>
+            </a:r>
+            <a:endParaRPr lang="zh-CN" altLang="en-US" dirty="0"/>
+          </a:p>
+        </p:txBody>
+      </p:sp>
     </p:spTree>
     <p:extLst>
       <p:ext uri="{BB962C8B-B14F-4D97-AF65-F5344CB8AC3E}">
@@ -4942,14 +4989,7 @@
                 <a:latin typeface="微软雅黑" pitchFamily="34" charset="-122"/>
                 <a:ea typeface="微软雅黑" pitchFamily="34" charset="-122"/>
               </a:rPr>
-              <a:t>J</a:t>
-            </a:r>
-            <a:r>
-              <a:rPr lang="en-US" altLang="zh-CN" sz="3200" dirty="0" err="1" smtClean="0">
-                <a:latin typeface="微软雅黑" pitchFamily="34" charset="-122"/>
-                <a:ea typeface="微软雅黑" pitchFamily="34" charset="-122"/>
-              </a:rPr>
-              <a:t>Netty</a:t>
+              <a:t>JNetty</a:t>
             </a:r>
             <a:endParaRPr lang="en-US" altLang="zh-CN" sz="3200" dirty="0" smtClean="0">
               <a:latin typeface="微软雅黑" pitchFamily="34" charset="-122"/>
@@ -6327,11 +6367,7 @@
             </a:r>
             <a:r>
               <a:rPr lang="zh-CN" altLang="en-US" dirty="0" smtClean="0"/>
-              <a:t>的</a:t>
-            </a:r>
-            <a:r>
-              <a:rPr lang="zh-CN" altLang="en-US" dirty="0" smtClean="0"/>
-              <a:t>架构</a:t>
+              <a:t>的架构</a:t>
             </a:r>
             <a:r>
               <a:rPr lang="en-US" altLang="zh-CN" dirty="0" smtClean="0"/>
@@ -7525,6 +7561,405 @@
 </p:sld>
 </file>
 
+<file path=ppt/slides/slide15.xml><?xml version="1.0" encoding="utf-8"?>
+<p:sld xmlns:a="http://schemas.openxmlformats.org/drawingml/2006/main" xmlns:r="http://schemas.openxmlformats.org/officeDocument/2006/relationships" xmlns:p="http://schemas.openxmlformats.org/presentationml/2006/main">
+  <p:cSld>
+    <p:spTree>
+      <p:nvGrpSpPr>
+        <p:cNvPr id="1" name=""/>
+        <p:cNvGrpSpPr/>
+        <p:nvPr/>
+      </p:nvGrpSpPr>
+      <p:grpSpPr>
+        <a:xfrm>
+          <a:off x="0" y="0"/>
+          <a:ext cx="0" cy="0"/>
+          <a:chOff x="0" y="0"/>
+          <a:chExt cx="0" cy="0"/>
+        </a:xfrm>
+      </p:grpSpPr>
+      <p:sp>
+        <p:nvSpPr>
+          <p:cNvPr id="3" name="内容占位符 2"/>
+          <p:cNvSpPr>
+            <a:spLocks noGrp="1"/>
+          </p:cNvSpPr>
+          <p:nvPr>
+            <p:ph idx="1"/>
+          </p:nvPr>
+        </p:nvSpPr>
+        <p:spPr>
+          <a:xfrm>
+            <a:off x="323528" y="77589"/>
+            <a:ext cx="3672408" cy="399083"/>
+          </a:xfrm>
+        </p:spPr>
+        <p:txBody>
+          <a:bodyPr>
+            <a:normAutofit/>
+          </a:bodyPr>
+          <a:lstStyle/>
+          <a:p>
+            <a:r>
+              <a:rPr lang="zh-CN" altLang="en-US" sz="2000" dirty="0" smtClean="0"/>
+              <a:t>性能测试</a:t>
+            </a:r>
+            <a:endParaRPr lang="zh-CN" altLang="en-US" sz="2000" dirty="0"/>
+          </a:p>
+        </p:txBody>
+      </p:sp>
+      <p:sp>
+        <p:nvSpPr>
+          <p:cNvPr id="4" name="TextBox 3"/>
+          <p:cNvSpPr txBox="1"/>
+          <p:nvPr/>
+        </p:nvSpPr>
+        <p:spPr>
+          <a:xfrm>
+            <a:off x="1043608" y="548680"/>
+            <a:ext cx="7200800" cy="646331"/>
+          </a:xfrm>
+          <a:prstGeom prst="rect">
+            <a:avLst/>
+          </a:prstGeom>
+          <a:noFill/>
+        </p:spPr>
+        <p:txBody>
+          <a:bodyPr wrap="square" rtlCol="0">
+            <a:spAutoFit/>
+          </a:bodyPr>
+          <a:lstStyle/>
+          <a:p>
+            <a:pPr marL="285750" indent="-285750">
+              <a:buFont typeface="Wingdings" pitchFamily="2" charset="2"/>
+              <a:buChar char="Ø"/>
+            </a:pPr>
+            <a:r>
+              <a:rPr lang="zh-CN" altLang="en-US" dirty="0" smtClean="0"/>
+              <a:t>对每一请求简单返回一个</a:t>
+            </a:r>
+            <a:r>
+              <a:rPr lang="en-US" altLang="zh-CN" dirty="0" smtClean="0"/>
+              <a:t>JSON</a:t>
+            </a:r>
+            <a:r>
+              <a:rPr lang="zh-CN" altLang="en-US" dirty="0" smtClean="0"/>
+              <a:t>的响应</a:t>
+            </a:r>
+            <a:endParaRPr lang="en-US" altLang="zh-CN" dirty="0" smtClean="0"/>
+          </a:p>
+          <a:p>
+            <a:pPr marL="285750" indent="-285750">
+              <a:buFont typeface="Wingdings" pitchFamily="2" charset="2"/>
+              <a:buChar char="Ø"/>
+            </a:pPr>
+            <a:endParaRPr lang="zh-CN" altLang="en-US" dirty="0"/>
+          </a:p>
+        </p:txBody>
+      </p:sp>
+      <p:sp>
+        <p:nvSpPr>
+          <p:cNvPr id="5" name="TextBox 4"/>
+          <p:cNvSpPr txBox="1"/>
+          <p:nvPr/>
+        </p:nvSpPr>
+        <p:spPr>
+          <a:xfrm>
+            <a:off x="1043608" y="2420888"/>
+            <a:ext cx="7200800" cy="1477328"/>
+          </a:xfrm>
+          <a:prstGeom prst="rect">
+            <a:avLst/>
+          </a:prstGeom>
+          <a:noFill/>
+        </p:spPr>
+        <p:txBody>
+          <a:bodyPr wrap="square" rtlCol="0">
+            <a:spAutoFit/>
+          </a:bodyPr>
+          <a:lstStyle/>
+          <a:p>
+            <a:pPr marL="285750" indent="-285750">
+              <a:buFont typeface="Wingdings" pitchFamily="2" charset="2"/>
+              <a:buChar char="Ø"/>
+            </a:pPr>
+            <a:r>
+              <a:rPr lang="zh-CN" altLang="en-US" dirty="0" smtClean="0"/>
+              <a:t>关闭</a:t>
+            </a:r>
+            <a:r>
+              <a:rPr lang="en-US" altLang="zh-CN" dirty="0" smtClean="0"/>
+              <a:t>Keep-alive,</a:t>
+            </a:r>
+            <a:r>
+              <a:rPr lang="zh-CN" altLang="en-US" dirty="0" smtClean="0"/>
+              <a:t>进行</a:t>
+            </a:r>
+            <a:r>
+              <a:rPr lang="en-US" altLang="zh-CN" dirty="0" smtClean="0"/>
+              <a:t>apache bench </a:t>
+            </a:r>
+            <a:r>
+              <a:rPr lang="zh-CN" altLang="en-US" dirty="0" smtClean="0"/>
+              <a:t>测试</a:t>
+            </a:r>
+            <a:endParaRPr lang="en-US" altLang="zh-CN" dirty="0" smtClean="0"/>
+          </a:p>
+          <a:p>
+            <a:r>
+              <a:rPr lang="en-US" altLang="zh-CN" dirty="0"/>
+              <a:t>      # </a:t>
+            </a:r>
+            <a:r>
+              <a:rPr lang="en-US" altLang="zh-CN" dirty="0" err="1"/>
+              <a:t>ab</a:t>
+            </a:r>
+            <a:r>
+              <a:rPr lang="en-US" altLang="zh-CN" dirty="0"/>
+              <a:t> -n 98000 -c </a:t>
+            </a:r>
+            <a:r>
+              <a:rPr lang="en-US" altLang="zh-CN" dirty="0" smtClean="0"/>
+              <a:t>800 </a:t>
+            </a:r>
+            <a:r>
+              <a:rPr lang="en-US" altLang="zh-CN" dirty="0">
+                <a:hlinkClick r:id="rId2"/>
+              </a:rPr>
+              <a:t>http://</a:t>
+            </a:r>
+            <a:r>
+              <a:rPr lang="en-US" altLang="zh-CN" dirty="0" smtClean="0">
+                <a:hlinkClick r:id="rId2"/>
+              </a:rPr>
+              <a:t>127.0.0.1:81/json</a:t>
+            </a:r>
+            <a:endParaRPr lang="en-US" altLang="zh-CN" dirty="0" smtClean="0"/>
+          </a:p>
+          <a:p>
+            <a:endParaRPr lang="en-US" altLang="zh-CN" dirty="0" smtClean="0"/>
+          </a:p>
+          <a:p>
+            <a:pPr marL="285750" indent="-285750">
+              <a:buFont typeface="Wingdings" pitchFamily="2" charset="2"/>
+              <a:buChar char="Ø"/>
+            </a:pPr>
+            <a:r>
+              <a:rPr lang="zh-CN" altLang="en-US" dirty="0" smtClean="0"/>
+              <a:t>测试</a:t>
+            </a:r>
+            <a:r>
+              <a:rPr lang="zh-CN" altLang="en-US" dirty="0" smtClean="0"/>
+              <a:t>结果</a:t>
+            </a:r>
+            <a:r>
+              <a:rPr lang="en-US" altLang="zh-CN" dirty="0" smtClean="0"/>
+              <a:t>:</a:t>
+            </a:r>
+          </a:p>
+          <a:p>
+            <a:r>
+              <a:rPr lang="en-US" altLang="zh-CN" dirty="0" smtClean="0"/>
+              <a:t>      </a:t>
+            </a:r>
+            <a:endParaRPr lang="zh-CN" altLang="en-US" dirty="0"/>
+          </a:p>
+        </p:txBody>
+      </p:sp>
+      <p:sp>
+        <p:nvSpPr>
+          <p:cNvPr id="7" name="TextBox 6"/>
+          <p:cNvSpPr txBox="1"/>
+          <p:nvPr/>
+        </p:nvSpPr>
+        <p:spPr>
+          <a:xfrm>
+            <a:off x="1043608" y="1846565"/>
+            <a:ext cx="7200800" cy="369332"/>
+          </a:xfrm>
+          <a:prstGeom prst="rect">
+            <a:avLst/>
+          </a:prstGeom>
+          <a:noFill/>
+        </p:spPr>
+        <p:txBody>
+          <a:bodyPr wrap="square" rtlCol="0">
+            <a:spAutoFit/>
+          </a:bodyPr>
+          <a:lstStyle/>
+          <a:p>
+            <a:pPr marL="285750" indent="-285750">
+              <a:buFont typeface="Wingdings" pitchFamily="2" charset="2"/>
+              <a:buChar char="Ø"/>
+            </a:pPr>
+            <a:r>
+              <a:rPr lang="en-US" altLang="zh-CN" dirty="0" smtClean="0"/>
+              <a:t>Worker</a:t>
+            </a:r>
+            <a:r>
+              <a:rPr lang="zh-CN" altLang="en-US" dirty="0" smtClean="0"/>
+              <a:t>线程</a:t>
+            </a:r>
+            <a:r>
+              <a:rPr lang="en-US" altLang="zh-CN" dirty="0" smtClean="0"/>
+              <a:t>: 8</a:t>
+            </a:r>
+            <a:r>
+              <a:rPr lang="zh-CN" altLang="en-US" dirty="0" smtClean="0"/>
+              <a:t>个</a:t>
+            </a:r>
+            <a:endParaRPr lang="zh-CN" altLang="en-US" dirty="0"/>
+          </a:p>
+        </p:txBody>
+      </p:sp>
+      <p:pic>
+        <p:nvPicPr>
+          <p:cNvPr id="8" name="Picture 2"/>
+          <p:cNvPicPr>
+            <a:picLocks noChangeAspect="1" noChangeArrowheads="1"/>
+          </p:cNvPicPr>
+          <p:nvPr/>
+        </p:nvPicPr>
+        <p:blipFill>
+          <a:blip r:embed="rId3">
+            <a:extLst>
+              <a:ext uri="{28A0092B-C50C-407E-A947-70E740481C1C}">
+                <a14:useLocalDpi xmlns:a14="http://schemas.microsoft.com/office/drawing/2010/main" val="0"/>
+              </a:ext>
+            </a:extLst>
+          </a:blip>
+          <a:srcRect/>
+          <a:stretch>
+            <a:fillRect/>
+          </a:stretch>
+        </p:blipFill>
+        <p:spPr bwMode="auto">
+          <a:xfrm>
+            <a:off x="1403648" y="980728"/>
+            <a:ext cx="2124075" cy="619125"/>
+          </a:xfrm>
+          <a:prstGeom prst="rect">
+            <a:avLst/>
+          </a:prstGeom>
+          <a:noFill/>
+          <a:ln>
+            <a:noFill/>
+          </a:ln>
+          <a:effectLst/>
+          <a:extLst>
+            <a:ext uri="{909E8E84-426E-40DD-AFC4-6F175D3DCCD1}">
+              <a14:hiddenFill xmlns:a14="http://schemas.microsoft.com/office/drawing/2010/main">
+                <a:solidFill>
+                  <a:schemeClr val="accent1"/>
+                </a:solidFill>
+              </a14:hiddenFill>
+            </a:ext>
+            <a:ext uri="{91240B29-F687-4F45-9708-019B960494DF}">
+              <a14:hiddenLine xmlns:a14="http://schemas.microsoft.com/office/drawing/2010/main" w="9525">
+                <a:solidFill>
+                  <a:schemeClr val="tx1"/>
+                </a:solidFill>
+                <a:miter lim="800000"/>
+                <a:headEnd/>
+                <a:tailEnd/>
+              </a14:hiddenLine>
+            </a:ext>
+            <a:ext uri="{AF507438-7753-43E0-B8FC-AC1667EBCBE1}">
+              <a14:hiddenEffects xmlns:a14="http://schemas.microsoft.com/office/drawing/2010/main">
+                <a:effectLst>
+                  <a:outerShdw dist="35921" dir="2700000" algn="ctr" rotWithShape="0">
+                    <a:schemeClr val="bg2"/>
+                  </a:outerShdw>
+                </a:effectLst>
+              </a14:hiddenEffects>
+            </a:ext>
+          </a:extLst>
+        </p:spPr>
+      </p:pic>
+      <p:pic>
+        <p:nvPicPr>
+          <p:cNvPr id="9" name="Picture 3"/>
+          <p:cNvPicPr>
+            <a:picLocks noChangeAspect="1" noChangeArrowheads="1"/>
+          </p:cNvPicPr>
+          <p:nvPr/>
+        </p:nvPicPr>
+        <p:blipFill>
+          <a:blip r:embed="rId4">
+            <a:extLst>
+              <a:ext uri="{28A0092B-C50C-407E-A947-70E740481C1C}">
+                <a14:useLocalDpi xmlns:a14="http://schemas.microsoft.com/office/drawing/2010/main" val="0"/>
+              </a:ext>
+            </a:extLst>
+          </a:blip>
+          <a:srcRect/>
+          <a:stretch>
+            <a:fillRect/>
+          </a:stretch>
+        </p:blipFill>
+        <p:spPr bwMode="auto">
+          <a:xfrm>
+            <a:off x="1475656" y="3717032"/>
+            <a:ext cx="5638800" cy="3009900"/>
+          </a:xfrm>
+          <a:prstGeom prst="rect">
+            <a:avLst/>
+          </a:prstGeom>
+          <a:noFill/>
+          <a:ln>
+            <a:noFill/>
+          </a:ln>
+          <a:effectLst/>
+          <a:extLst>
+            <a:ext uri="{909E8E84-426E-40DD-AFC4-6F175D3DCCD1}">
+              <a14:hiddenFill xmlns:a14="http://schemas.microsoft.com/office/drawing/2010/main">
+                <a:solidFill>
+                  <a:schemeClr val="accent1"/>
+                </a:solidFill>
+              </a14:hiddenFill>
+            </a:ext>
+            <a:ext uri="{91240B29-F687-4F45-9708-019B960494DF}">
+              <a14:hiddenLine xmlns:a14="http://schemas.microsoft.com/office/drawing/2010/main" w="9525">
+                <a:solidFill>
+                  <a:schemeClr val="tx1"/>
+                </a:solidFill>
+                <a:miter lim="800000"/>
+                <a:headEnd/>
+                <a:tailEnd/>
+              </a14:hiddenLine>
+            </a:ext>
+            <a:ext uri="{AF507438-7753-43E0-B8FC-AC1667EBCBE1}">
+              <a14:hiddenEffects xmlns:a14="http://schemas.microsoft.com/office/drawing/2010/main">
+                <a:effectLst>
+                  <a:outerShdw dist="35921" dir="2700000" algn="ctr" rotWithShape="0">
+                    <a:schemeClr val="bg2"/>
+                  </a:outerShdw>
+                </a:effectLst>
+              </a14:hiddenEffects>
+            </a:ext>
+          </a:extLst>
+        </p:spPr>
+      </p:pic>
+    </p:spTree>
+    <p:extLst>
+      <p:ext uri="{BB962C8B-B14F-4D97-AF65-F5344CB8AC3E}">
+        <p14:creationId xmlns:p14="http://schemas.microsoft.com/office/powerpoint/2010/main" val="2244767536"/>
+      </p:ext>
+    </p:extLst>
+  </p:cSld>
+  <p:clrMapOvr>
+    <a:masterClrMapping/>
+  </p:clrMapOvr>
+  <p:timing>
+    <p:tnLst>
+      <p:par>
+        <p:cTn id="1" dur="indefinite" restart="never" nodeType="tmRoot"/>
+      </p:par>
+    </p:tnLst>
+  </p:timing>
+</p:sld>
+</file>
+
 <file path=ppt/slides/slide2.xml><?xml version="1.0" encoding="utf-8"?>
 <p:sld xmlns:a="http://schemas.openxmlformats.org/drawingml/2006/main" xmlns:r="http://schemas.openxmlformats.org/officeDocument/2006/relationships" xmlns:p="http://schemas.openxmlformats.org/presentationml/2006/main">
   <p:cSld>
@@ -7570,7 +8005,6 @@
               <a:rPr lang="zh-CN" altLang="en-US" dirty="0"/>
               <a:t>是什么？</a:t>
             </a:r>
-            <a:endParaRPr lang="zh-CN" altLang="en-US" dirty="0"/>
           </a:p>
         </p:txBody>
       </p:sp>
@@ -8018,132 +8452,6 @@
       </p:sp>
       <p:sp>
         <p:nvSpPr>
-          <p:cNvPr id="4" name="椭圆 3"/>
-          <p:cNvSpPr/>
-          <p:nvPr/>
-        </p:nvSpPr>
-        <p:spPr>
-          <a:xfrm>
-            <a:off x="576933" y="2312876"/>
-            <a:ext cx="1224136" cy="504056"/>
-          </a:xfrm>
-          <a:prstGeom prst="ellipse">
-            <a:avLst/>
-          </a:prstGeom>
-        </p:spPr>
-        <p:style>
-          <a:lnRef idx="1">
-            <a:schemeClr val="accent4"/>
-          </a:lnRef>
-          <a:fillRef idx="2">
-            <a:schemeClr val="accent4"/>
-          </a:fillRef>
-          <a:effectRef idx="1">
-            <a:schemeClr val="accent4"/>
-          </a:effectRef>
-          <a:fontRef idx="minor">
-            <a:schemeClr val="dk1"/>
-          </a:fontRef>
-        </p:style>
-        <p:txBody>
-          <a:bodyPr rtlCol="0" anchor="ctr"/>
-          <a:lstStyle/>
-          <a:p>
-            <a:pPr algn="ctr"/>
-            <a:r>
-              <a:rPr lang="en-US" altLang="zh-CN" dirty="0" smtClean="0"/>
-              <a:t>Client</a:t>
-            </a:r>
-            <a:endParaRPr lang="zh-CN" altLang="en-US" dirty="0"/>
-          </a:p>
-        </p:txBody>
-      </p:sp>
-      <p:sp>
-        <p:nvSpPr>
-          <p:cNvPr id="5" name="椭圆 4"/>
-          <p:cNvSpPr/>
-          <p:nvPr/>
-        </p:nvSpPr>
-        <p:spPr>
-          <a:xfrm>
-            <a:off x="576933" y="4005064"/>
-            <a:ext cx="1224136" cy="504056"/>
-          </a:xfrm>
-          <a:prstGeom prst="ellipse">
-            <a:avLst/>
-          </a:prstGeom>
-        </p:spPr>
-        <p:style>
-          <a:lnRef idx="1">
-            <a:schemeClr val="accent4"/>
-          </a:lnRef>
-          <a:fillRef idx="2">
-            <a:schemeClr val="accent4"/>
-          </a:fillRef>
-          <a:effectRef idx="1">
-            <a:schemeClr val="accent4"/>
-          </a:effectRef>
-          <a:fontRef idx="minor">
-            <a:schemeClr val="dk1"/>
-          </a:fontRef>
-        </p:style>
-        <p:txBody>
-          <a:bodyPr rtlCol="0" anchor="ctr"/>
-          <a:lstStyle/>
-          <a:p>
-            <a:pPr algn="ctr"/>
-            <a:r>
-              <a:rPr lang="en-US" altLang="zh-CN" dirty="0" smtClean="0"/>
-              <a:t>Client</a:t>
-            </a:r>
-            <a:endParaRPr lang="zh-CN" altLang="en-US" dirty="0"/>
-          </a:p>
-        </p:txBody>
-      </p:sp>
-      <p:sp>
-        <p:nvSpPr>
-          <p:cNvPr id="6" name="椭圆 5"/>
-          <p:cNvSpPr/>
-          <p:nvPr/>
-        </p:nvSpPr>
-        <p:spPr>
-          <a:xfrm>
-            <a:off x="576933" y="5373216"/>
-            <a:ext cx="1224136" cy="504056"/>
-          </a:xfrm>
-          <a:prstGeom prst="ellipse">
-            <a:avLst/>
-          </a:prstGeom>
-        </p:spPr>
-        <p:style>
-          <a:lnRef idx="1">
-            <a:schemeClr val="accent4"/>
-          </a:lnRef>
-          <a:fillRef idx="2">
-            <a:schemeClr val="accent4"/>
-          </a:fillRef>
-          <a:effectRef idx="1">
-            <a:schemeClr val="accent4"/>
-          </a:effectRef>
-          <a:fontRef idx="minor">
-            <a:schemeClr val="dk1"/>
-          </a:fontRef>
-        </p:style>
-        <p:txBody>
-          <a:bodyPr rtlCol="0" anchor="ctr"/>
-          <a:lstStyle/>
-          <a:p>
-            <a:pPr algn="ctr"/>
-            <a:r>
-              <a:rPr lang="en-US" altLang="zh-CN" dirty="0" smtClean="0"/>
-              <a:t>Client</a:t>
-            </a:r>
-            <a:endParaRPr lang="zh-CN" altLang="en-US" dirty="0"/>
-          </a:p>
-        </p:txBody>
-      </p:sp>
-      <p:sp>
-        <p:nvSpPr>
           <p:cNvPr id="8" name="椭圆 7"/>
           <p:cNvSpPr/>
           <p:nvPr/>
@@ -8563,6 +8871,132 @@
               <a:t>Socket</a:t>
             </a:r>
             <a:endParaRPr lang="zh-CN" altLang="en-US" sz="1400" dirty="0"/>
+          </a:p>
+        </p:txBody>
+      </p:sp>
+      <p:sp>
+        <p:nvSpPr>
+          <p:cNvPr id="18" name="云形 17"/>
+          <p:cNvSpPr/>
+          <p:nvPr/>
+        </p:nvSpPr>
+        <p:spPr>
+          <a:xfrm>
+            <a:off x="827584" y="2348880"/>
+            <a:ext cx="792088" cy="648072"/>
+          </a:xfrm>
+          <a:prstGeom prst="cloud">
+            <a:avLst/>
+          </a:prstGeom>
+        </p:spPr>
+        <p:style>
+          <a:lnRef idx="2">
+            <a:schemeClr val="accent2"/>
+          </a:lnRef>
+          <a:fillRef idx="1">
+            <a:schemeClr val="lt1"/>
+          </a:fillRef>
+          <a:effectRef idx="0">
+            <a:schemeClr val="accent2"/>
+          </a:effectRef>
+          <a:fontRef idx="minor">
+            <a:schemeClr val="dk1"/>
+          </a:fontRef>
+        </p:style>
+        <p:txBody>
+          <a:bodyPr rtlCol="0" anchor="ctr"/>
+          <a:lstStyle/>
+          <a:p>
+            <a:pPr algn="ctr"/>
+            <a:r>
+              <a:rPr lang="en-US" altLang="zh-CN" sz="1100" dirty="0" smtClean="0"/>
+              <a:t>Client</a:t>
+            </a:r>
+            <a:endParaRPr lang="zh-CN" altLang="en-US" sz="1100" dirty="0"/>
+          </a:p>
+        </p:txBody>
+      </p:sp>
+      <p:sp>
+        <p:nvSpPr>
+          <p:cNvPr id="19" name="云形 18"/>
+          <p:cNvSpPr/>
+          <p:nvPr/>
+        </p:nvSpPr>
+        <p:spPr>
+          <a:xfrm>
+            <a:off x="827584" y="3861048"/>
+            <a:ext cx="792088" cy="648072"/>
+          </a:xfrm>
+          <a:prstGeom prst="cloud">
+            <a:avLst/>
+          </a:prstGeom>
+        </p:spPr>
+        <p:style>
+          <a:lnRef idx="2">
+            <a:schemeClr val="accent2"/>
+          </a:lnRef>
+          <a:fillRef idx="1">
+            <a:schemeClr val="lt1"/>
+          </a:fillRef>
+          <a:effectRef idx="0">
+            <a:schemeClr val="accent2"/>
+          </a:effectRef>
+          <a:fontRef idx="minor">
+            <a:schemeClr val="dk1"/>
+          </a:fontRef>
+        </p:style>
+        <p:txBody>
+          <a:bodyPr rtlCol="0" anchor="ctr"/>
+          <a:lstStyle/>
+          <a:p>
+            <a:pPr algn="ctr"/>
+            <a:r>
+              <a:rPr lang="en-US" altLang="zh-CN" sz="1100" dirty="0" smtClean="0"/>
+              <a:t>Client</a:t>
+            </a:r>
+            <a:endParaRPr lang="zh-CN" altLang="en-US" sz="1100" dirty="0"/>
+          </a:p>
+        </p:txBody>
+      </p:sp>
+      <p:sp>
+        <p:nvSpPr>
+          <p:cNvPr id="20" name="云形 19"/>
+          <p:cNvSpPr/>
+          <p:nvPr/>
+        </p:nvSpPr>
+        <p:spPr>
+          <a:xfrm>
+            <a:off x="827584" y="5373216"/>
+            <a:ext cx="792088" cy="648072"/>
+          </a:xfrm>
+          <a:prstGeom prst="cloud">
+            <a:avLst/>
+          </a:prstGeom>
+        </p:spPr>
+        <p:style>
+          <a:lnRef idx="2">
+            <a:schemeClr val="accent2"/>
+          </a:lnRef>
+          <a:fillRef idx="1">
+            <a:schemeClr val="lt1"/>
+          </a:fillRef>
+          <a:effectRef idx="0">
+            <a:schemeClr val="accent2"/>
+          </a:effectRef>
+          <a:fontRef idx="minor">
+            <a:schemeClr val="dk1"/>
+          </a:fontRef>
+        </p:style>
+        <p:txBody>
+          <a:bodyPr rtlCol="0" anchor="ctr"/>
+          <a:lstStyle/>
+          <a:p>
+            <a:pPr algn="ctr"/>
+            <a:r>
+              <a:rPr lang="en-US" altLang="zh-CN" sz="1100" dirty="0" smtClean="0"/>
+              <a:t>Client</a:t>
+            </a:r>
+            <a:endParaRPr lang="zh-CN" altLang="en-US" sz="1100" dirty="0"/>
           </a:p>
         </p:txBody>
       </p:sp>
@@ -8688,132 +9122,6 @@
       </p:sp>
       <p:sp>
         <p:nvSpPr>
-          <p:cNvPr id="4" name="椭圆 3"/>
-          <p:cNvSpPr/>
-          <p:nvPr/>
-        </p:nvSpPr>
-        <p:spPr>
-          <a:xfrm>
-            <a:off x="576933" y="2312876"/>
-            <a:ext cx="1224136" cy="504056"/>
-          </a:xfrm>
-          <a:prstGeom prst="ellipse">
-            <a:avLst/>
-          </a:prstGeom>
-        </p:spPr>
-        <p:style>
-          <a:lnRef idx="1">
-            <a:schemeClr val="accent4"/>
-          </a:lnRef>
-          <a:fillRef idx="2">
-            <a:schemeClr val="accent4"/>
-          </a:fillRef>
-          <a:effectRef idx="1">
-            <a:schemeClr val="accent4"/>
-          </a:effectRef>
-          <a:fontRef idx="minor">
-            <a:schemeClr val="dk1"/>
-          </a:fontRef>
-        </p:style>
-        <p:txBody>
-          <a:bodyPr rtlCol="0" anchor="ctr"/>
-          <a:lstStyle/>
-          <a:p>
-            <a:pPr algn="ctr"/>
-            <a:r>
-              <a:rPr lang="en-US" altLang="zh-CN" dirty="0" smtClean="0"/>
-              <a:t>Client</a:t>
-            </a:r>
-            <a:endParaRPr lang="zh-CN" altLang="en-US" dirty="0"/>
-          </a:p>
-        </p:txBody>
-      </p:sp>
-      <p:sp>
-        <p:nvSpPr>
-          <p:cNvPr id="5" name="椭圆 4"/>
-          <p:cNvSpPr/>
-          <p:nvPr/>
-        </p:nvSpPr>
-        <p:spPr>
-          <a:xfrm>
-            <a:off x="576933" y="4005064"/>
-            <a:ext cx="1224136" cy="504056"/>
-          </a:xfrm>
-          <a:prstGeom prst="ellipse">
-            <a:avLst/>
-          </a:prstGeom>
-        </p:spPr>
-        <p:style>
-          <a:lnRef idx="1">
-            <a:schemeClr val="accent4"/>
-          </a:lnRef>
-          <a:fillRef idx="2">
-            <a:schemeClr val="accent4"/>
-          </a:fillRef>
-          <a:effectRef idx="1">
-            <a:schemeClr val="accent4"/>
-          </a:effectRef>
-          <a:fontRef idx="minor">
-            <a:schemeClr val="dk1"/>
-          </a:fontRef>
-        </p:style>
-        <p:txBody>
-          <a:bodyPr rtlCol="0" anchor="ctr"/>
-          <a:lstStyle/>
-          <a:p>
-            <a:pPr algn="ctr"/>
-            <a:r>
-              <a:rPr lang="en-US" altLang="zh-CN" dirty="0" smtClean="0"/>
-              <a:t>Client</a:t>
-            </a:r>
-            <a:endParaRPr lang="zh-CN" altLang="en-US" dirty="0"/>
-          </a:p>
-        </p:txBody>
-      </p:sp>
-      <p:sp>
-        <p:nvSpPr>
-          <p:cNvPr id="6" name="椭圆 5"/>
-          <p:cNvSpPr/>
-          <p:nvPr/>
-        </p:nvSpPr>
-        <p:spPr>
-          <a:xfrm>
-            <a:off x="576933" y="5373216"/>
-            <a:ext cx="1224136" cy="504056"/>
-          </a:xfrm>
-          <a:prstGeom prst="ellipse">
-            <a:avLst/>
-          </a:prstGeom>
-        </p:spPr>
-        <p:style>
-          <a:lnRef idx="1">
-            <a:schemeClr val="accent4"/>
-          </a:lnRef>
-          <a:fillRef idx="2">
-            <a:schemeClr val="accent4"/>
-          </a:fillRef>
-          <a:effectRef idx="1">
-            <a:schemeClr val="accent4"/>
-          </a:effectRef>
-          <a:fontRef idx="minor">
-            <a:schemeClr val="dk1"/>
-          </a:fontRef>
-        </p:style>
-        <p:txBody>
-          <a:bodyPr rtlCol="0" anchor="ctr"/>
-          <a:lstStyle/>
-          <a:p>
-            <a:pPr algn="ctr"/>
-            <a:r>
-              <a:rPr lang="en-US" altLang="zh-CN" dirty="0" smtClean="0"/>
-              <a:t>Client</a:t>
-            </a:r>
-            <a:endParaRPr lang="zh-CN" altLang="en-US" dirty="0"/>
-          </a:p>
-        </p:txBody>
-      </p:sp>
-      <p:sp>
-        <p:nvSpPr>
           <p:cNvPr id="8" name="椭圆 7"/>
           <p:cNvSpPr/>
           <p:nvPr/>
@@ -8862,8 +9170,8 @@
         </p:nvCxnSpPr>
         <p:spPr>
           <a:xfrm flipV="1">
-            <a:off x="1691680" y="512676"/>
-            <a:ext cx="1166242" cy="1800200"/>
+            <a:off x="1547664" y="512676"/>
+            <a:ext cx="1310258" cy="1692188"/>
           </a:xfrm>
           <a:prstGeom prst="straightConnector1">
             <a:avLst/>
@@ -9424,8 +9732,8 @@
         </p:nvCxnSpPr>
         <p:spPr>
           <a:xfrm>
-            <a:off x="1907704" y="2492896"/>
-            <a:ext cx="1224136" cy="90010"/>
+            <a:off x="1760184" y="2502768"/>
+            <a:ext cx="1371656" cy="80138"/>
           </a:xfrm>
           <a:prstGeom prst="straightConnector1">
             <a:avLst/>
@@ -9487,8 +9795,8 @@
         </p:nvCxnSpPr>
         <p:spPr>
           <a:xfrm flipH="1" flipV="1">
-            <a:off x="1907704" y="2735342"/>
-            <a:ext cx="1143128" cy="81590"/>
+            <a:off x="1760184" y="2762926"/>
+            <a:ext cx="1290648" cy="54006"/>
           </a:xfrm>
           <a:prstGeom prst="straightConnector1">
             <a:avLst/>
@@ -10010,6 +10318,132 @@
               <a:t>8:write</a:t>
             </a:r>
             <a:endParaRPr lang="zh-CN" altLang="en-US" sz="1400" dirty="0"/>
+          </a:p>
+        </p:txBody>
+      </p:sp>
+      <p:sp>
+        <p:nvSpPr>
+          <p:cNvPr id="40" name="云形 39"/>
+          <p:cNvSpPr/>
+          <p:nvPr/>
+        </p:nvSpPr>
+        <p:spPr>
+          <a:xfrm>
+            <a:off x="827584" y="2348880"/>
+            <a:ext cx="792088" cy="648072"/>
+          </a:xfrm>
+          <a:prstGeom prst="cloud">
+            <a:avLst/>
+          </a:prstGeom>
+        </p:spPr>
+        <p:style>
+          <a:lnRef idx="2">
+            <a:schemeClr val="accent2"/>
+          </a:lnRef>
+          <a:fillRef idx="1">
+            <a:schemeClr val="lt1"/>
+          </a:fillRef>
+          <a:effectRef idx="0">
+            <a:schemeClr val="accent2"/>
+          </a:effectRef>
+          <a:fontRef idx="minor">
+            <a:schemeClr val="dk1"/>
+          </a:fontRef>
+        </p:style>
+        <p:txBody>
+          <a:bodyPr rtlCol="0" anchor="ctr"/>
+          <a:lstStyle/>
+          <a:p>
+            <a:pPr algn="ctr"/>
+            <a:r>
+              <a:rPr lang="en-US" altLang="zh-CN" sz="1100" dirty="0" smtClean="0"/>
+              <a:t>Client</a:t>
+            </a:r>
+            <a:endParaRPr lang="zh-CN" altLang="en-US" sz="1100" dirty="0"/>
+          </a:p>
+        </p:txBody>
+      </p:sp>
+      <p:sp>
+        <p:nvSpPr>
+          <p:cNvPr id="52" name="云形 51"/>
+          <p:cNvSpPr/>
+          <p:nvPr/>
+        </p:nvSpPr>
+        <p:spPr>
+          <a:xfrm>
+            <a:off x="827584" y="3861048"/>
+            <a:ext cx="792088" cy="648072"/>
+          </a:xfrm>
+          <a:prstGeom prst="cloud">
+            <a:avLst/>
+          </a:prstGeom>
+        </p:spPr>
+        <p:style>
+          <a:lnRef idx="2">
+            <a:schemeClr val="accent2"/>
+          </a:lnRef>
+          <a:fillRef idx="1">
+            <a:schemeClr val="lt1"/>
+          </a:fillRef>
+          <a:effectRef idx="0">
+            <a:schemeClr val="accent2"/>
+          </a:effectRef>
+          <a:fontRef idx="minor">
+            <a:schemeClr val="dk1"/>
+          </a:fontRef>
+        </p:style>
+        <p:txBody>
+          <a:bodyPr rtlCol="0" anchor="ctr"/>
+          <a:lstStyle/>
+          <a:p>
+            <a:pPr algn="ctr"/>
+            <a:r>
+              <a:rPr lang="en-US" altLang="zh-CN" sz="1100" dirty="0" smtClean="0"/>
+              <a:t>Client</a:t>
+            </a:r>
+            <a:endParaRPr lang="zh-CN" altLang="en-US" sz="1100" dirty="0"/>
+          </a:p>
+        </p:txBody>
+      </p:sp>
+      <p:sp>
+        <p:nvSpPr>
+          <p:cNvPr id="53" name="云形 52"/>
+          <p:cNvSpPr/>
+          <p:nvPr/>
+        </p:nvSpPr>
+        <p:spPr>
+          <a:xfrm>
+            <a:off x="827584" y="5373216"/>
+            <a:ext cx="792088" cy="648072"/>
+          </a:xfrm>
+          <a:prstGeom prst="cloud">
+            <a:avLst/>
+          </a:prstGeom>
+        </p:spPr>
+        <p:style>
+          <a:lnRef idx="2">
+            <a:schemeClr val="accent2"/>
+          </a:lnRef>
+          <a:fillRef idx="1">
+            <a:schemeClr val="lt1"/>
+          </a:fillRef>
+          <a:effectRef idx="0">
+            <a:schemeClr val="accent2"/>
+          </a:effectRef>
+          <a:fontRef idx="minor">
+            <a:schemeClr val="dk1"/>
+          </a:fontRef>
+        </p:style>
+        <p:txBody>
+          <a:bodyPr rtlCol="0" anchor="ctr"/>
+          <a:lstStyle/>
+          <a:p>
+            <a:pPr algn="ctr"/>
+            <a:r>
+              <a:rPr lang="en-US" altLang="zh-CN" sz="1100" dirty="0" smtClean="0"/>
+              <a:t>Client</a:t>
+            </a:r>
+            <a:endParaRPr lang="zh-CN" altLang="en-US" sz="1100" dirty="0"/>
           </a:p>
         </p:txBody>
       </p:sp>
@@ -12228,17 +12662,12 @@
             </a:pPr>
             <a:r>
               <a:rPr lang="zh-CN" altLang="en-US" sz="2000" dirty="0" smtClean="0"/>
-              <a:t>池</a:t>
-            </a:r>
-            <a:r>
-              <a:rPr lang="zh-CN" altLang="en-US" sz="2000" dirty="0" smtClean="0"/>
-              <a:t>化 </a:t>
+              <a:t>池化 </a:t>
             </a:r>
             <a:r>
               <a:rPr lang="en-US" altLang="zh-CN" sz="2000" dirty="0" smtClean="0"/>
               <a:t>Pooled Byte Buffer</a:t>
             </a:r>
-            <a:endParaRPr lang="en-US" altLang="zh-CN" sz="2000" dirty="0" smtClean="0"/>
           </a:p>
           <a:p>
             <a:endParaRPr lang="en-US" altLang="zh-CN" sz="2000" dirty="0" smtClean="0"/>
@@ -12447,10 +12876,6 @@
               </a:rPr>
               <a:t> &lt;= capacity</a:t>
             </a:r>
-            <a:endParaRPr lang="en-US" altLang="zh-CN" sz="1400" dirty="0" smtClean="0">
-              <a:latin typeface="Courier New" pitchFamily="49" charset="0"/>
-              <a:cs typeface="Courier New" pitchFamily="49" charset="0"/>
-            </a:endParaRPr>
           </a:p>
           <a:p>
             <a:pPr marL="285750" indent="-285750">
